--- a/lt.pptx
+++ b/lt.pptx
@@ -10,6 +10,7 @@
     <p:sldId id="258" r:id="rId4"/>
     <p:sldId id="260" r:id="rId5"/>
     <p:sldId id="261" r:id="rId6"/>
+    <p:sldId id="262" r:id="rId7"/>
   </p:sldIdLst>
   <p:sldSz cx="12192000" cy="6858000"/>
   <p:notesSz cx="6858000" cy="9144000"/>
@@ -108,6 +109,11 @@
       </a:defRPr>
     </a:lvl9pPr>
   </p:defaultTextStyle>
+  <p:extLst>
+    <p:ext uri="{EFAFB233-063F-42B5-8137-9DF3F51BA10A}">
+      <p15:sldGuideLst xmlns:p15="http://schemas.microsoft.com/office/powerpoint/2012/main"/>
+    </p:ext>
+  </p:extLst>
 </p:presentation>
 </file>
 
@@ -4013,6 +4019,111 @@
 </p:sld>
 </file>
 
+<file path=ppt/slides/slide6.xml><?xml version="1.0" encoding="utf-8"?>
+<p:sld xmlns:a="http://schemas.openxmlformats.org/drawingml/2006/main" xmlns:r="http://schemas.openxmlformats.org/officeDocument/2006/relationships" xmlns:p="http://schemas.openxmlformats.org/presentationml/2006/main">
+  <p:cSld>
+    <p:spTree>
+      <p:nvGrpSpPr>
+        <p:cNvPr id="1" name=""/>
+        <p:cNvGrpSpPr/>
+        <p:nvPr/>
+      </p:nvGrpSpPr>
+      <p:grpSpPr>
+        <a:xfrm>
+          <a:off x="0" y="0"/>
+          <a:ext cx="0" cy="0"/>
+          <a:chOff x="0" y="0"/>
+          <a:chExt cx="0" cy="0"/>
+        </a:xfrm>
+      </p:grpSpPr>
+      <p:sp>
+        <p:nvSpPr>
+          <p:cNvPr id="2" name="タイトル 1">
+            <a:extLst>
+              <a:ext uri="{FF2B5EF4-FFF2-40B4-BE49-F238E27FC236}">
+                <a16:creationId xmlns:a16="http://schemas.microsoft.com/office/drawing/2014/main" id="{4B8BC82B-D954-D041-BE07-2C5E86E3C63C}"/>
+              </a:ext>
+            </a:extLst>
+          </p:cNvPr>
+          <p:cNvSpPr>
+            <a:spLocks noGrp="1"/>
+          </p:cNvSpPr>
+          <p:nvPr>
+            <p:ph type="ctrTitle"/>
+          </p:nvPr>
+        </p:nvSpPr>
+        <p:spPr>
+          <a:xfrm>
+            <a:off x="939800" y="1752600"/>
+            <a:ext cx="10325100" cy="2501899"/>
+          </a:xfrm>
+          <a:noFill/>
+        </p:spPr>
+        <p:txBody>
+          <a:bodyPr>
+            <a:noAutofit/>
+          </a:bodyPr>
+          <a:lstStyle/>
+          <a:p>
+            <a:r>
+              <a:rPr lang="ja-JP" altLang="en-US" sz="4400"/>
+              <a:t>資料、コードは</a:t>
+            </a:r>
+            <a:r>
+              <a:rPr lang="en-US" altLang="ja-JP" sz="4400" dirty="0" err="1"/>
+              <a:t>Github</a:t>
+            </a:r>
+            <a:r>
+              <a:rPr lang="ja-JP" altLang="en-US" sz="4400"/>
+              <a:t>上にあります</a:t>
+            </a:r>
+            <a:br>
+              <a:rPr lang="en-US" altLang="ja-JP" sz="4400" dirty="0"/>
+            </a:br>
+            <a:br>
+              <a:rPr lang="en-US" altLang="ja-JP" sz="4400" dirty="0"/>
+            </a:br>
+            <a:r>
+              <a:rPr lang="en-US" altLang="ja-JP" sz="3200" dirty="0"/>
+              <a:t>https://</a:t>
+            </a:r>
+            <a:r>
+              <a:rPr lang="en-US" altLang="ja-JP" sz="3200" dirty="0" err="1"/>
+              <a:t>github.com</a:t>
+            </a:r>
+            <a:r>
+              <a:rPr lang="en-US" altLang="ja-JP" sz="3200" dirty="0"/>
+              <a:t>/</a:t>
+            </a:r>
+            <a:r>
+              <a:rPr lang="en-US" altLang="ja-JP" sz="3200" dirty="0" err="1"/>
+              <a:t>sakastudio</a:t>
+            </a:r>
+            <a:r>
+              <a:rPr lang="en-US" altLang="ja-JP" sz="3200" dirty="0"/>
+              <a:t>/</a:t>
+            </a:r>
+            <a:r>
+              <a:rPr lang="en-US" altLang="ja-JP" sz="3200" dirty="0" err="1"/>
+              <a:t>aktsk_lt_socket</a:t>
+            </a:r>
+            <a:endParaRPr kumimoji="1" lang="ja-JP" altLang="en-US" sz="4400"/>
+          </a:p>
+        </p:txBody>
+      </p:sp>
+    </p:spTree>
+    <p:extLst>
+      <p:ext uri="{BB962C8B-B14F-4D97-AF65-F5344CB8AC3E}">
+        <p14:creationId xmlns:p14="http://schemas.microsoft.com/office/powerpoint/2010/main" val="971874320"/>
+      </p:ext>
+    </p:extLst>
+  </p:cSld>
+  <p:clrMapOvr>
+    <a:masterClrMapping/>
+  </p:clrMapOvr>
+</p:sld>
+</file>
+
 <file path=ppt/theme/theme1.xml><?xml version="1.0" encoding="utf-8"?>
 <a:theme xmlns:a="http://schemas.openxmlformats.org/drawingml/2006/main" name="Office テーマ">
   <a:themeElements>

--- a/lt.pptx
+++ b/lt.pptx
@@ -248,7 +248,7 @@
           <a:p>
             <a:fld id="{F6C795EF-C1BC-6146-B4CC-CE2D7EE9E006}" type="datetimeFigureOut">
               <a:rPr kumimoji="1" lang="ja-JP" altLang="en-US" smtClean="0"/>
-              <a:t>2021/11/18</a:t>
+              <a:t>2021/11/19</a:t>
             </a:fld>
             <a:endParaRPr kumimoji="1" lang="ja-JP" altLang="en-US"/>
           </a:p>
@@ -450,7 +450,7 @@
           <a:p>
             <a:fld id="{F6C795EF-C1BC-6146-B4CC-CE2D7EE9E006}" type="datetimeFigureOut">
               <a:rPr kumimoji="1" lang="ja-JP" altLang="en-US" smtClean="0"/>
-              <a:t>2021/11/18</a:t>
+              <a:t>2021/11/19</a:t>
             </a:fld>
             <a:endParaRPr kumimoji="1" lang="ja-JP" altLang="en-US"/>
           </a:p>
@@ -662,7 +662,7 @@
           <a:p>
             <a:fld id="{F6C795EF-C1BC-6146-B4CC-CE2D7EE9E006}" type="datetimeFigureOut">
               <a:rPr kumimoji="1" lang="ja-JP" altLang="en-US" smtClean="0"/>
-              <a:t>2021/11/18</a:t>
+              <a:t>2021/11/19</a:t>
             </a:fld>
             <a:endParaRPr kumimoji="1" lang="ja-JP" altLang="en-US"/>
           </a:p>
@@ -869,7 +869,7 @@
           <a:p>
             <a:fld id="{F6C795EF-C1BC-6146-B4CC-CE2D7EE9E006}" type="datetimeFigureOut">
               <a:rPr kumimoji="1" lang="ja-JP" altLang="en-US" smtClean="0"/>
-              <a:t>2021/11/18</a:t>
+              <a:t>2021/11/19</a:t>
             </a:fld>
             <a:endParaRPr kumimoji="1" lang="ja-JP" altLang="en-US"/>
           </a:p>
@@ -1115,7 +1115,7 @@
           <a:p>
             <a:fld id="{F6C795EF-C1BC-6146-B4CC-CE2D7EE9E006}" type="datetimeFigureOut">
               <a:rPr kumimoji="1" lang="ja-JP" altLang="en-US" smtClean="0"/>
-              <a:t>2021/11/18</a:t>
+              <a:t>2021/11/19</a:t>
             </a:fld>
             <a:endParaRPr kumimoji="1" lang="ja-JP" altLang="en-US"/>
           </a:p>
@@ -1411,7 +1411,7 @@
           <a:p>
             <a:fld id="{F6C795EF-C1BC-6146-B4CC-CE2D7EE9E006}" type="datetimeFigureOut">
               <a:rPr kumimoji="1" lang="ja-JP" altLang="en-US" smtClean="0"/>
-              <a:t>2021/11/18</a:t>
+              <a:t>2021/11/19</a:t>
             </a:fld>
             <a:endParaRPr kumimoji="1" lang="ja-JP" altLang="en-US"/>
           </a:p>
@@ -1842,7 +1842,7 @@
           <a:p>
             <a:fld id="{F6C795EF-C1BC-6146-B4CC-CE2D7EE9E006}" type="datetimeFigureOut">
               <a:rPr kumimoji="1" lang="ja-JP" altLang="en-US" smtClean="0"/>
-              <a:t>2021/11/18</a:t>
+              <a:t>2021/11/19</a:t>
             </a:fld>
             <a:endParaRPr kumimoji="1" lang="ja-JP" altLang="en-US"/>
           </a:p>
@@ -1960,7 +1960,7 @@
           <a:p>
             <a:fld id="{F6C795EF-C1BC-6146-B4CC-CE2D7EE9E006}" type="datetimeFigureOut">
               <a:rPr kumimoji="1" lang="ja-JP" altLang="en-US" smtClean="0"/>
-              <a:t>2021/11/18</a:t>
+              <a:t>2021/11/19</a:t>
             </a:fld>
             <a:endParaRPr kumimoji="1" lang="ja-JP" altLang="en-US"/>
           </a:p>
@@ -2055,7 +2055,7 @@
           <a:p>
             <a:fld id="{F6C795EF-C1BC-6146-B4CC-CE2D7EE9E006}" type="datetimeFigureOut">
               <a:rPr kumimoji="1" lang="ja-JP" altLang="en-US" smtClean="0"/>
-              <a:t>2021/11/18</a:t>
+              <a:t>2021/11/19</a:t>
             </a:fld>
             <a:endParaRPr kumimoji="1" lang="ja-JP" altLang="en-US"/>
           </a:p>
@@ -2364,7 +2364,7 @@
           <a:p>
             <a:fld id="{F6C795EF-C1BC-6146-B4CC-CE2D7EE9E006}" type="datetimeFigureOut">
               <a:rPr kumimoji="1" lang="ja-JP" altLang="en-US" smtClean="0"/>
-              <a:t>2021/11/18</a:t>
+              <a:t>2021/11/19</a:t>
             </a:fld>
             <a:endParaRPr kumimoji="1" lang="ja-JP" altLang="en-US"/>
           </a:p>
@@ -2621,7 +2621,7 @@
           <a:p>
             <a:fld id="{F6C795EF-C1BC-6146-B4CC-CE2D7EE9E006}" type="datetimeFigureOut">
               <a:rPr kumimoji="1" lang="ja-JP" altLang="en-US" smtClean="0"/>
-              <a:t>2021/11/18</a:t>
+              <a:t>2021/11/19</a:t>
             </a:fld>
             <a:endParaRPr kumimoji="1" lang="ja-JP" altLang="en-US"/>
           </a:p>
@@ -2878,7 +2878,7 @@
           <a:p>
             <a:fld id="{F6C795EF-C1BC-6146-B4CC-CE2D7EE9E006}" type="datetimeFigureOut">
               <a:rPr kumimoji="1" lang="ja-JP" altLang="en-US" smtClean="0"/>
-              <a:t>2021/11/18</a:t>
+              <a:t>2021/11/19</a:t>
             </a:fld>
             <a:endParaRPr kumimoji="1" lang="ja-JP" altLang="en-US"/>
           </a:p>
@@ -3417,7 +3417,12 @@
             <p:ph idx="1"/>
           </p:nvPr>
         </p:nvSpPr>
-        <p:spPr/>
+        <p:spPr>
+          <a:xfrm>
+            <a:off x="850900" y="1520825"/>
+            <a:ext cx="10515600" cy="4351338"/>
+          </a:xfrm>
+        </p:spPr>
         <p:txBody>
           <a:bodyPr>
             <a:normAutofit/>
@@ -3428,86 +3433,173 @@
               <a:buNone/>
             </a:pPr>
             <a:r>
-              <a:rPr kumimoji="1" lang="ja-JP" altLang="en-US" sz="4000"/>
+              <a:rPr kumimoji="1" lang="ja-JP" altLang="en-US" sz="3200"/>
               <a:t>坂すたじお</a:t>
             </a:r>
             <a:r>
-              <a:rPr kumimoji="1" lang="en-US" altLang="ja-JP" sz="4000" dirty="0"/>
+              <a:rPr kumimoji="1" lang="en-US" altLang="ja-JP" sz="3200" dirty="0"/>
               <a:t> (@</a:t>
             </a:r>
             <a:r>
-              <a:rPr kumimoji="1" lang="en-US" altLang="ja-JP" sz="4000" dirty="0" err="1"/>
+              <a:rPr kumimoji="1" lang="en-US" altLang="ja-JP" sz="3200" dirty="0" err="1"/>
               <a:t>sakastudio</a:t>
             </a:r>
             <a:r>
-              <a:rPr kumimoji="1" lang="en-US" altLang="ja-JP" sz="4000" dirty="0"/>
+              <a:rPr kumimoji="1" lang="en-US" altLang="ja-JP" sz="3200" dirty="0"/>
               <a:t>_)</a:t>
             </a:r>
+            <a:r>
+              <a:rPr kumimoji="1" lang="ja-JP" altLang="en-US" sz="3200"/>
+              <a:t>　大学</a:t>
+            </a:r>
+            <a:r>
+              <a:rPr kumimoji="1" lang="en-US" altLang="ja-JP" sz="3200" dirty="0"/>
+              <a:t>3</a:t>
+            </a:r>
+            <a:r>
+              <a:rPr kumimoji="1" lang="ja-JP" altLang="en-US" sz="3200"/>
+              <a:t>年生</a:t>
+            </a:r>
+            <a:endParaRPr kumimoji="1" lang="en-US" altLang="ja-JP" sz="3200" dirty="0"/>
           </a:p>
           <a:p>
             <a:pPr marL="0" indent="0">
               <a:buNone/>
             </a:pPr>
-            <a:r>
-              <a:rPr kumimoji="1" lang="ja-JP" altLang="en-US" sz="4000"/>
-              <a:t>大学</a:t>
-            </a:r>
-            <a:r>
-              <a:rPr kumimoji="1" lang="en-US" altLang="ja-JP" sz="4000" dirty="0"/>
-              <a:t>3</a:t>
-            </a:r>
-            <a:r>
-              <a:rPr kumimoji="1" lang="ja-JP" altLang="en-US" sz="4000"/>
-              <a:t>年生</a:t>
-            </a:r>
-            <a:endParaRPr kumimoji="1" lang="en-US" altLang="ja-JP" sz="4000" dirty="0"/>
+            <a:endParaRPr kumimoji="1" lang="en-US" altLang="ja-JP" sz="3200" dirty="0"/>
           </a:p>
           <a:p>
             <a:pPr marL="0" indent="0">
               <a:buNone/>
             </a:pPr>
-            <a:endParaRPr kumimoji="1" lang="en-US" altLang="ja-JP" sz="4000" dirty="0"/>
+            <a:r>
+              <a:rPr lang="ja-JP" altLang="en-US" sz="3200"/>
+              <a:t>ゲーム作ったり</a:t>
+            </a:r>
+            <a:r>
+              <a:rPr lang="en-US" altLang="ja-JP" sz="3200" dirty="0"/>
+              <a:t>Steam</a:t>
+            </a:r>
+            <a:r>
+              <a:rPr lang="ja-JP" altLang="en-US" sz="3200"/>
+              <a:t>でリリースしたり</a:t>
+            </a:r>
+            <a:endParaRPr lang="en-US" altLang="ja-JP" sz="3200" dirty="0"/>
           </a:p>
           <a:p>
             <a:pPr marL="0" indent="0">
               <a:buNone/>
             </a:pPr>
             <a:r>
-              <a:rPr lang="en-US" altLang="ja-JP" sz="4000" dirty="0"/>
-              <a:t>Unity,C#,UE4,C++,</a:t>
-            </a:r>
-            <a:r>
-              <a:rPr lang="en-US" altLang="ja-JP" sz="4000" dirty="0" err="1"/>
-              <a:t>Python,java,lua</a:t>
-            </a:r>
-            <a:endParaRPr kumimoji="1" lang="en-US" altLang="ja-JP" sz="4000" dirty="0"/>
+              <a:rPr lang="en-US" altLang="ja-JP" sz="3200" dirty="0" err="1"/>
+              <a:t>moorestech</a:t>
+            </a:r>
+            <a:r>
+              <a:rPr lang="ja-JP" altLang="en-US" sz="3200"/>
+              <a:t>という工業ゲーを開発しています</a:t>
+            </a:r>
+            <a:endParaRPr lang="en-US" altLang="ja-JP" sz="3200" dirty="0"/>
           </a:p>
           <a:p>
             <a:pPr marL="0" indent="0">
               <a:buNone/>
             </a:pPr>
             <a:r>
-              <a:rPr lang="ja-JP" altLang="en-US" sz="4000"/>
-              <a:t>ゲーム作ったり</a:t>
-            </a:r>
-            <a:r>
-              <a:rPr lang="en-US" altLang="ja-JP" sz="4000" dirty="0"/>
-              <a:t>Steam</a:t>
-            </a:r>
-            <a:r>
-              <a:rPr lang="ja-JP" altLang="en-US" sz="4000"/>
-              <a:t>でリリースしたり</a:t>
-            </a:r>
-            <a:endParaRPr lang="en-US" altLang="ja-JP" sz="4000" dirty="0"/>
+              <a:rPr lang="en-US" altLang="ja-JP" sz="4800" b="1" dirty="0">
+                <a:solidFill>
+                  <a:schemeClr val="accent6">
+                    <a:lumMod val="75000"/>
+                  </a:schemeClr>
+                </a:solidFill>
+              </a:rPr>
+              <a:t>Discord</a:t>
+            </a:r>
+            <a:r>
+              <a:rPr lang="ja-JP" altLang="en-US" sz="4800" b="1">
+                <a:solidFill>
+                  <a:schemeClr val="accent6">
+                    <a:lumMod val="75000"/>
+                  </a:schemeClr>
+                </a:solidFill>
+              </a:rPr>
+              <a:t>への参加お願いします！</a:t>
+            </a:r>
+            <a:endParaRPr lang="en-US" altLang="ja-JP" sz="4800" b="1" dirty="0">
+              <a:solidFill>
+                <a:schemeClr val="accent6">
+                  <a:lumMod val="75000"/>
+                </a:schemeClr>
+              </a:solidFill>
+            </a:endParaRPr>
           </a:p>
           <a:p>
             <a:pPr marL="0" indent="0">
               <a:buNone/>
             </a:pPr>
-            <a:endParaRPr kumimoji="1" lang="ja-JP" altLang="en-US" sz="4000"/>
-          </a:p>
-        </p:txBody>
-      </p:sp>
+            <a:endParaRPr kumimoji="1" lang="ja-JP" altLang="en-US" sz="3200"/>
+          </a:p>
+        </p:txBody>
+      </p:sp>
+      <p:pic>
+        <p:nvPicPr>
+          <p:cNvPr id="7" name="図 6" descr="QR コード&#10;&#10;自動的に生成された説明">
+            <a:extLst>
+              <a:ext uri="{FF2B5EF4-FFF2-40B4-BE49-F238E27FC236}">
+                <a16:creationId xmlns:a16="http://schemas.microsoft.com/office/drawing/2014/main" id="{468AC510-5CE6-F746-B59E-EF9E97250C48}"/>
+              </a:ext>
+            </a:extLst>
+          </p:cNvPr>
+          <p:cNvPicPr>
+            <a:picLocks noChangeAspect="1"/>
+          </p:cNvPicPr>
+          <p:nvPr/>
+        </p:nvPicPr>
+        <p:blipFill>
+          <a:blip r:embed="rId2"/>
+          <a:stretch>
+            <a:fillRect/>
+          </a:stretch>
+        </p:blipFill>
+        <p:spPr>
+          <a:xfrm>
+            <a:off x="9829800" y="4495800"/>
+            <a:ext cx="2362200" cy="2362200"/>
+          </a:xfrm>
+          <a:prstGeom prst="rect">
+            <a:avLst/>
+          </a:prstGeom>
+        </p:spPr>
+      </p:pic>
+      <p:pic>
+        <p:nvPicPr>
+          <p:cNvPr id="9" name="図 8" descr="グラフィカル ユーザー インターフェイス, テキスト, アプリケーション&#10;&#10;自動的に生成された説明">
+            <a:extLst>
+              <a:ext uri="{FF2B5EF4-FFF2-40B4-BE49-F238E27FC236}">
+                <a16:creationId xmlns:a16="http://schemas.microsoft.com/office/drawing/2014/main" id="{0BC74BD8-4198-6642-ADF2-372A010D224C}"/>
+              </a:ext>
+            </a:extLst>
+          </p:cNvPr>
+          <p:cNvPicPr>
+            <a:picLocks noChangeAspect="1"/>
+          </p:cNvPicPr>
+          <p:nvPr/>
+        </p:nvPicPr>
+        <p:blipFill>
+          <a:blip r:embed="rId3"/>
+          <a:stretch>
+            <a:fillRect/>
+          </a:stretch>
+        </p:blipFill>
+        <p:spPr>
+          <a:xfrm>
+            <a:off x="825500" y="4618800"/>
+            <a:ext cx="6921500" cy="2315696"/>
+          </a:xfrm>
+          <a:prstGeom prst="rect">
+            <a:avLst/>
+          </a:prstGeom>
+        </p:spPr>
+      </p:pic>
     </p:spTree>
     <p:extLst>
       <p:ext uri="{BB962C8B-B14F-4D97-AF65-F5344CB8AC3E}">
@@ -3647,8 +3739,14 @@
             </a:r>
             <a:r>
               <a:rPr lang="ja-JP" altLang="en-US" sz="3600"/>
-              <a:t>通信、オンラインゲームの通信、</a:t>
-            </a:r>
+              <a:t>通信、オンラインゲームの通信</a:t>
+            </a:r>
+            <a:endParaRPr lang="en-US" altLang="ja-JP" sz="3600" dirty="0"/>
+          </a:p>
+          <a:p>
+            <a:pPr marL="0" indent="0">
+              <a:buNone/>
+            </a:pPr>
             <a:r>
               <a:rPr lang="en-US" altLang="ja-JP" sz="3600" dirty="0"/>
               <a:t>SSH</a:t>
@@ -3673,6 +3771,36 @@
           </a:p>
         </p:txBody>
       </p:sp>
+      <p:pic>
+        <p:nvPicPr>
+          <p:cNvPr id="4" name="図 3" descr="QR コード&#10;&#10;自動的に生成された説明">
+            <a:extLst>
+              <a:ext uri="{FF2B5EF4-FFF2-40B4-BE49-F238E27FC236}">
+                <a16:creationId xmlns:a16="http://schemas.microsoft.com/office/drawing/2014/main" id="{AB4763E2-BFA4-114F-9E02-3455560FBF06}"/>
+              </a:ext>
+            </a:extLst>
+          </p:cNvPr>
+          <p:cNvPicPr>
+            <a:picLocks noChangeAspect="1"/>
+          </p:cNvPicPr>
+          <p:nvPr/>
+        </p:nvPicPr>
+        <p:blipFill>
+          <a:blip r:embed="rId2"/>
+          <a:stretch>
+            <a:fillRect/>
+          </a:stretch>
+        </p:blipFill>
+        <p:spPr>
+          <a:xfrm>
+            <a:off x="9829800" y="4495800"/>
+            <a:ext cx="2362200" cy="2362200"/>
+          </a:xfrm>
+          <a:prstGeom prst="rect">
+            <a:avLst/>
+          </a:prstGeom>
+        </p:spPr>
+      </p:pic>
     </p:spTree>
     <p:extLst>
       <p:ext uri="{BB962C8B-B14F-4D97-AF65-F5344CB8AC3E}">
@@ -3755,7 +3883,7 @@
         </p:spPr>
         <p:txBody>
           <a:bodyPr>
-            <a:normAutofit/>
+            <a:normAutofit lnSpcReduction="10000"/>
           </a:bodyPr>
           <a:lstStyle/>
           <a:p>
@@ -3780,7 +3908,7 @@
             </a:r>
             <a:r>
               <a:rPr lang="ja-JP" altLang="en-US" sz="4000"/>
-              <a:t>層</a:t>
+              <a:t>層から実装ができる</a:t>
             </a:r>
             <a:endParaRPr lang="en-US" altLang="ja-JP" sz="4000" dirty="0"/>
           </a:p>
@@ -3789,10 +3917,14 @@
               <a:buNone/>
             </a:pPr>
             <a:r>
-              <a:rPr lang="ja-JP" altLang="en-US" sz="4000"/>
-              <a:t>から実装ができる</a:t>
-            </a:r>
-            <a:endParaRPr lang="en-US" altLang="ja-JP" sz="4000" dirty="0"/>
+              <a:rPr kumimoji="1" lang="en-US" altLang="ja-JP" sz="4000" dirty="0"/>
+              <a:t>Web</a:t>
+            </a:r>
+            <a:r>
+              <a:rPr kumimoji="1" lang="ja-JP" altLang="en-US" sz="4000"/>
+              <a:t>サーバーや独自サーバーの実装など</a:t>
+            </a:r>
+            <a:endParaRPr kumimoji="1" lang="en-US" altLang="ja-JP" sz="4000" dirty="0"/>
           </a:p>
           <a:p>
             <a:pPr marL="0" indent="0">
@@ -3804,25 +3936,7 @@
             <a:pPr marL="0" indent="0">
               <a:buNone/>
             </a:pPr>
-            <a:r>
-              <a:rPr kumimoji="1" lang="en-US" altLang="ja-JP" sz="4000" dirty="0"/>
-              <a:t>Web</a:t>
-            </a:r>
-            <a:r>
-              <a:rPr kumimoji="1" lang="ja-JP" altLang="en-US" sz="4000"/>
-              <a:t>サーバーや独自サーバー</a:t>
-            </a:r>
-            <a:endParaRPr kumimoji="1" lang="en-US" altLang="ja-JP" sz="4000" dirty="0"/>
-          </a:p>
-          <a:p>
-            <a:pPr marL="0" indent="0">
-              <a:buNone/>
-            </a:pPr>
-            <a:r>
-              <a:rPr kumimoji="1" lang="ja-JP" altLang="en-US" sz="4000"/>
-              <a:t>の実装など</a:t>
-            </a:r>
-            <a:endParaRPr kumimoji="1" lang="en-US" altLang="ja-JP" sz="4000" dirty="0"/>
+            <a:endParaRPr lang="en-US" altLang="ja-JP" sz="4000" dirty="0"/>
           </a:p>
           <a:p>
             <a:pPr marL="0" indent="0">
@@ -3840,6 +3954,18 @@
             <a:pPr marL="0" indent="0">
               <a:buNone/>
             </a:pPr>
+            <a:endParaRPr lang="en-US" altLang="ja-JP" sz="2000" dirty="0"/>
+          </a:p>
+          <a:p>
+            <a:pPr marL="0" indent="0">
+              <a:buNone/>
+            </a:pPr>
+            <a:endParaRPr lang="en-US" altLang="ja-JP" sz="2000" dirty="0"/>
+          </a:p>
+          <a:p>
+            <a:pPr marL="0" indent="0">
+              <a:buNone/>
+            </a:pPr>
             <a:r>
               <a:rPr lang="ja-JP" altLang="en-US" sz="2000"/>
               <a:t>画像</a:t>
@@ -3867,7 +3993,16 @@
             </a:r>
             <a:r>
               <a:rPr lang="en-US" altLang="ja-JP" sz="2000" dirty="0"/>
-              <a:t>/entry/2019/05/22 /OSI</a:t>
+              <a:t>/</a:t>
+            </a:r>
+          </a:p>
+          <a:p>
+            <a:pPr marL="0" indent="0">
+              <a:buNone/>
+            </a:pPr>
+            <a:r>
+              <a:rPr lang="en-US" altLang="ja-JP" sz="2000" dirty="0"/>
+              <a:t>entry/2019/05/22 /OSI</a:t>
             </a:r>
             <a:r>
               <a:rPr lang="ja-JP" altLang="en-US" sz="2000"/>
@@ -3922,8 +4057,8 @@
         </p:blipFill>
         <p:spPr bwMode="auto">
           <a:xfrm>
-            <a:off x="6841703" y="2273300"/>
-            <a:ext cx="5350298" cy="4089400"/>
+            <a:off x="5143500" y="2676220"/>
+            <a:ext cx="4669152" cy="3568779"/>
           </a:xfrm>
           <a:prstGeom prst="rect">
             <a:avLst/>
@@ -3938,6 +4073,36 @@
               </a14:hiddenFill>
             </a:ext>
           </a:extLst>
+        </p:spPr>
+      </p:pic>
+      <p:pic>
+        <p:nvPicPr>
+          <p:cNvPr id="5" name="図 4" descr="QR コード&#10;&#10;自動的に生成された説明">
+            <a:extLst>
+              <a:ext uri="{FF2B5EF4-FFF2-40B4-BE49-F238E27FC236}">
+                <a16:creationId xmlns:a16="http://schemas.microsoft.com/office/drawing/2014/main" id="{FFF6A55C-D459-734A-B8EE-1AF8E5D47F55}"/>
+              </a:ext>
+            </a:extLst>
+          </p:cNvPr>
+          <p:cNvPicPr>
+            <a:picLocks noChangeAspect="1"/>
+          </p:cNvPicPr>
+          <p:nvPr/>
+        </p:nvPicPr>
+        <p:blipFill>
+          <a:blip r:embed="rId3"/>
+          <a:stretch>
+            <a:fillRect/>
+          </a:stretch>
+        </p:blipFill>
+        <p:spPr>
+          <a:xfrm>
+            <a:off x="9829800" y="4495800"/>
+            <a:ext cx="2362200" cy="2362200"/>
+          </a:xfrm>
+          <a:prstGeom prst="rect">
+            <a:avLst/>
+          </a:prstGeom>
         </p:spPr>
       </p:pic>
     </p:spTree>

--- a/lt.pptx
+++ b/lt.pptx
@@ -9,8 +9,9 @@
     <p:sldId id="257" r:id="rId3"/>
     <p:sldId id="258" r:id="rId4"/>
     <p:sldId id="260" r:id="rId5"/>
-    <p:sldId id="261" r:id="rId6"/>
-    <p:sldId id="262" r:id="rId7"/>
+    <p:sldId id="263" r:id="rId6"/>
+    <p:sldId id="261" r:id="rId7"/>
+    <p:sldId id="262" r:id="rId8"/>
   </p:sldIdLst>
   <p:sldSz cx="12192000" cy="6858000"/>
   <p:notesSz cx="6858000" cy="9144000"/>
@@ -4140,6 +4141,231 @@
           <p:cNvPr id="2" name="タイトル 1">
             <a:extLst>
               <a:ext uri="{FF2B5EF4-FFF2-40B4-BE49-F238E27FC236}">
+                <a16:creationId xmlns:a16="http://schemas.microsoft.com/office/drawing/2014/main" id="{C27940E7-26C1-9F4E-A6AA-E6CF3BE0DF60}"/>
+              </a:ext>
+            </a:extLst>
+          </p:cNvPr>
+          <p:cNvSpPr>
+            <a:spLocks noGrp="1"/>
+          </p:cNvSpPr>
+          <p:nvPr>
+            <p:ph type="title"/>
+          </p:nvPr>
+        </p:nvSpPr>
+        <p:spPr/>
+        <p:txBody>
+          <a:bodyPr/>
+          <a:lstStyle/>
+          <a:p>
+            <a:r>
+              <a:rPr kumimoji="1" lang="ja-JP" altLang="en-US"/>
+              <a:t>ソケット通信の手順</a:t>
+            </a:r>
+          </a:p>
+        </p:txBody>
+      </p:sp>
+      <p:sp>
+        <p:nvSpPr>
+          <p:cNvPr id="3" name="コンテンツ プレースホルダー 2">
+            <a:extLst>
+              <a:ext uri="{FF2B5EF4-FFF2-40B4-BE49-F238E27FC236}">
+                <a16:creationId xmlns:a16="http://schemas.microsoft.com/office/drawing/2014/main" id="{650C0125-C842-C444-807E-F57D591ABCCC}"/>
+              </a:ext>
+            </a:extLst>
+          </p:cNvPr>
+          <p:cNvSpPr>
+            <a:spLocks noGrp="1"/>
+          </p:cNvSpPr>
+          <p:nvPr>
+            <p:ph idx="1"/>
+          </p:nvPr>
+        </p:nvSpPr>
+        <p:spPr>
+          <a:xfrm>
+            <a:off x="850900" y="1520825"/>
+            <a:ext cx="10515600" cy="4351338"/>
+          </a:xfrm>
+        </p:spPr>
+        <p:txBody>
+          <a:bodyPr>
+            <a:normAutofit/>
+          </a:bodyPr>
+          <a:lstStyle/>
+          <a:p>
+            <a:pPr marL="0" indent="0">
+              <a:buNone/>
+            </a:pPr>
+            <a:r>
+              <a:rPr lang="en-US" altLang="ja-JP" sz="3200" dirty="0"/>
+              <a:t>1.Sokcet </a:t>
+            </a:r>
+            <a:r>
+              <a:rPr lang="ja-JP" altLang="en-US" sz="3200"/>
+              <a:t>ソケットの生成</a:t>
+            </a:r>
+            <a:endParaRPr lang="en-US" altLang="ja-JP" sz="3200" dirty="0"/>
+          </a:p>
+          <a:p>
+            <a:pPr marL="0" indent="0">
+              <a:buNone/>
+            </a:pPr>
+            <a:r>
+              <a:rPr kumimoji="1" lang="en-US" altLang="ja-JP" sz="3200" dirty="0"/>
+              <a:t>2.Bind </a:t>
+            </a:r>
+            <a:r>
+              <a:rPr lang="ja-JP" altLang="en-US" sz="3200"/>
+              <a:t>エンドポイントをソケットに</a:t>
+            </a:r>
+            <a:r>
+              <a:rPr kumimoji="1" lang="ja-JP" altLang="en-US" sz="3200"/>
+              <a:t>登録</a:t>
+            </a:r>
+            <a:endParaRPr kumimoji="1" lang="en-US" altLang="ja-JP" sz="3200" dirty="0"/>
+          </a:p>
+          <a:p>
+            <a:pPr marL="0" indent="0">
+              <a:buNone/>
+            </a:pPr>
+            <a:r>
+              <a:rPr kumimoji="1" lang="en-US" altLang="ja-JP" sz="3200" dirty="0"/>
+              <a:t>3.Listen</a:t>
+            </a:r>
+            <a:r>
+              <a:rPr lang="en-US" altLang="ja-JP" sz="3200" dirty="0"/>
+              <a:t> </a:t>
+            </a:r>
+            <a:r>
+              <a:rPr lang="ja-JP" altLang="en-US" sz="3200"/>
+              <a:t>ソケット接続を待機</a:t>
+            </a:r>
+            <a:endParaRPr lang="en-US" altLang="ja-JP" sz="3200" dirty="0"/>
+          </a:p>
+          <a:p>
+            <a:pPr marL="0" indent="0">
+              <a:buNone/>
+            </a:pPr>
+            <a:r>
+              <a:rPr lang="en-US" altLang="ja-JP" sz="3200" dirty="0"/>
+              <a:t>4.Accept </a:t>
+            </a:r>
+            <a:r>
+              <a:rPr lang="ja-JP" altLang="en-US" sz="3200"/>
+              <a:t>実際に接続</a:t>
+            </a:r>
+            <a:endParaRPr lang="en-US" altLang="ja-JP" sz="3200" dirty="0"/>
+          </a:p>
+          <a:p>
+            <a:pPr marL="0" indent="0">
+              <a:buNone/>
+            </a:pPr>
+            <a:r>
+              <a:rPr kumimoji="1" lang="en-US" altLang="ja-JP" sz="3200" dirty="0"/>
+              <a:t>5.Read</a:t>
+            </a:r>
+            <a:r>
+              <a:rPr lang="en-US" altLang="ja-JP" sz="3200" dirty="0"/>
+              <a:t>/</a:t>
+            </a:r>
+            <a:r>
+              <a:rPr kumimoji="1" lang="en-US" altLang="ja-JP" sz="3200" dirty="0"/>
+              <a:t>Write </a:t>
+            </a:r>
+            <a:r>
+              <a:rPr kumimoji="1" lang="ja-JP" altLang="en-US" sz="3200"/>
+              <a:t>受信</a:t>
+            </a:r>
+            <a:r>
+              <a:rPr kumimoji="1" lang="en-US" altLang="ja-JP" sz="3200" dirty="0"/>
+              <a:t>/</a:t>
+            </a:r>
+            <a:r>
+              <a:rPr kumimoji="1" lang="ja-JP" altLang="en-US" sz="3200"/>
+              <a:t>送信</a:t>
+            </a:r>
+            <a:endParaRPr kumimoji="1" lang="en-US" altLang="ja-JP" sz="3200" dirty="0"/>
+          </a:p>
+          <a:p>
+            <a:pPr marL="0" indent="0">
+              <a:buNone/>
+            </a:pPr>
+            <a:r>
+              <a:rPr lang="en-US" altLang="ja-JP" sz="3200" dirty="0"/>
+              <a:t>6.Close </a:t>
+            </a:r>
+            <a:r>
+              <a:rPr lang="ja-JP" altLang="en-US" sz="3200"/>
+              <a:t>ソケット切断</a:t>
+            </a:r>
+            <a:endParaRPr kumimoji="1" lang="ja-JP" altLang="en-US" sz="3200"/>
+          </a:p>
+        </p:txBody>
+      </p:sp>
+      <p:pic>
+        <p:nvPicPr>
+          <p:cNvPr id="7" name="図 6" descr="QR コード&#10;&#10;自動的に生成された説明">
+            <a:extLst>
+              <a:ext uri="{FF2B5EF4-FFF2-40B4-BE49-F238E27FC236}">
+                <a16:creationId xmlns:a16="http://schemas.microsoft.com/office/drawing/2014/main" id="{468AC510-5CE6-F746-B59E-EF9E97250C48}"/>
+              </a:ext>
+            </a:extLst>
+          </p:cNvPr>
+          <p:cNvPicPr>
+            <a:picLocks noChangeAspect="1"/>
+          </p:cNvPicPr>
+          <p:nvPr/>
+        </p:nvPicPr>
+        <p:blipFill>
+          <a:blip r:embed="rId2"/>
+          <a:stretch>
+            <a:fillRect/>
+          </a:stretch>
+        </p:blipFill>
+        <p:spPr>
+          <a:xfrm>
+            <a:off x="9829800" y="4495800"/>
+            <a:ext cx="2362200" cy="2362200"/>
+          </a:xfrm>
+          <a:prstGeom prst="rect">
+            <a:avLst/>
+          </a:prstGeom>
+        </p:spPr>
+      </p:pic>
+    </p:spTree>
+    <p:extLst>
+      <p:ext uri="{BB962C8B-B14F-4D97-AF65-F5344CB8AC3E}">
+        <p14:creationId xmlns:p14="http://schemas.microsoft.com/office/powerpoint/2010/main" val="4189626552"/>
+      </p:ext>
+    </p:extLst>
+  </p:cSld>
+  <p:clrMapOvr>
+    <a:masterClrMapping/>
+  </p:clrMapOvr>
+</p:sld>
+</file>
+
+<file path=ppt/slides/slide6.xml><?xml version="1.0" encoding="utf-8"?>
+<p:sld xmlns:a="http://schemas.openxmlformats.org/drawingml/2006/main" xmlns:r="http://schemas.openxmlformats.org/officeDocument/2006/relationships" xmlns:p="http://schemas.openxmlformats.org/presentationml/2006/main">
+  <p:cSld>
+    <p:spTree>
+      <p:nvGrpSpPr>
+        <p:cNvPr id="1" name=""/>
+        <p:cNvGrpSpPr/>
+        <p:nvPr/>
+      </p:nvGrpSpPr>
+      <p:grpSpPr>
+        <a:xfrm>
+          <a:off x="0" y="0"/>
+          <a:ext cx="0" cy="0"/>
+          <a:chOff x="0" y="0"/>
+          <a:chExt cx="0" cy="0"/>
+        </a:xfrm>
+      </p:grpSpPr>
+      <p:sp>
+        <p:nvSpPr>
+          <p:cNvPr id="2" name="タイトル 1">
+            <a:extLst>
+              <a:ext uri="{FF2B5EF4-FFF2-40B4-BE49-F238E27FC236}">
                 <a16:creationId xmlns:a16="http://schemas.microsoft.com/office/drawing/2014/main" id="{4B8BC82B-D954-D041-BE07-2C5E86E3C63C}"/>
               </a:ext>
             </a:extLst>
@@ -4184,7 +4410,7 @@
 </p:sld>
 </file>
 
-<file path=ppt/slides/slide6.xml><?xml version="1.0" encoding="utf-8"?>
+<file path=ppt/slides/slide7.xml><?xml version="1.0" encoding="utf-8"?>
 <p:sld xmlns:a="http://schemas.openxmlformats.org/drawingml/2006/main" xmlns:r="http://schemas.openxmlformats.org/officeDocument/2006/relationships" xmlns:p="http://schemas.openxmlformats.org/presentationml/2006/main">
   <p:cSld>
     <p:spTree>

--- a/lt.pptx
+++ b/lt.pptx
@@ -6,12 +6,13 @@
   </p:sldMasterIdLst>
   <p:sldIdLst>
     <p:sldId id="256" r:id="rId2"/>
-    <p:sldId id="257" r:id="rId3"/>
-    <p:sldId id="258" r:id="rId4"/>
-    <p:sldId id="260" r:id="rId5"/>
-    <p:sldId id="263" r:id="rId6"/>
-    <p:sldId id="261" r:id="rId7"/>
-    <p:sldId id="262" r:id="rId8"/>
+    <p:sldId id="264" r:id="rId3"/>
+    <p:sldId id="257" r:id="rId4"/>
+    <p:sldId id="258" r:id="rId5"/>
+    <p:sldId id="260" r:id="rId6"/>
+    <p:sldId id="263" r:id="rId7"/>
+    <p:sldId id="261" r:id="rId8"/>
+    <p:sldId id="262" r:id="rId9"/>
   </p:sldIdLst>
   <p:sldSz cx="12192000" cy="6858000"/>
   <p:notesSz cx="6858000" cy="9144000"/>
@@ -3379,6 +3380,142 @@
           <p:cNvPr id="2" name="タイトル 1">
             <a:extLst>
               <a:ext uri="{FF2B5EF4-FFF2-40B4-BE49-F238E27FC236}">
+                <a16:creationId xmlns:a16="http://schemas.microsoft.com/office/drawing/2014/main" id="{E68F507E-9534-5048-A026-BC6A764012BB}"/>
+              </a:ext>
+            </a:extLst>
+          </p:cNvPr>
+          <p:cNvSpPr>
+            <a:spLocks noGrp="1"/>
+          </p:cNvSpPr>
+          <p:nvPr>
+            <p:ph type="title"/>
+          </p:nvPr>
+        </p:nvSpPr>
+        <p:spPr/>
+        <p:txBody>
+          <a:bodyPr/>
+          <a:lstStyle/>
+          <a:p>
+            <a:r>
+              <a:rPr kumimoji="1" lang="ja-JP" altLang="en-US"/>
+              <a:t>アジェンダ</a:t>
+            </a:r>
+          </a:p>
+        </p:txBody>
+      </p:sp>
+      <p:sp>
+        <p:nvSpPr>
+          <p:cNvPr id="3" name="コンテンツ プレースホルダー 2">
+            <a:extLst>
+              <a:ext uri="{FF2B5EF4-FFF2-40B4-BE49-F238E27FC236}">
+                <a16:creationId xmlns:a16="http://schemas.microsoft.com/office/drawing/2014/main" id="{5AAE2BD5-576E-804D-8993-43D1E509E012}"/>
+              </a:ext>
+            </a:extLst>
+          </p:cNvPr>
+          <p:cNvSpPr>
+            <a:spLocks noGrp="1"/>
+          </p:cNvSpPr>
+          <p:nvPr>
+            <p:ph idx="1"/>
+          </p:nvPr>
+        </p:nvSpPr>
+        <p:spPr/>
+        <p:txBody>
+          <a:bodyPr>
+            <a:normAutofit/>
+          </a:bodyPr>
+          <a:lstStyle/>
+          <a:p>
+            <a:pPr marL="0" indent="0">
+              <a:buNone/>
+            </a:pPr>
+            <a:r>
+              <a:rPr lang="en-US" altLang="ja-JP" sz="3600" dirty="0"/>
+              <a:t>1.</a:t>
+            </a:r>
+            <a:r>
+              <a:rPr lang="ja-JP" altLang="en-US" sz="3600"/>
+              <a:t>自己紹介</a:t>
+            </a:r>
+            <a:endParaRPr lang="en-US" altLang="ja-JP" sz="3600" dirty="0"/>
+          </a:p>
+          <a:p>
+            <a:pPr marL="0" indent="0">
+              <a:buNone/>
+            </a:pPr>
+            <a:endParaRPr lang="en-US" altLang="ja-JP" sz="3600" dirty="0"/>
+          </a:p>
+          <a:p>
+            <a:pPr marL="0" indent="0">
+              <a:buNone/>
+            </a:pPr>
+            <a:r>
+              <a:rPr kumimoji="1" lang="en-US" altLang="ja-JP" sz="3600" dirty="0"/>
+              <a:t>2.</a:t>
+            </a:r>
+            <a:r>
+              <a:rPr kumimoji="1" lang="ja-JP" altLang="en-US" sz="3600"/>
+              <a:t>ソケット通信について</a:t>
+            </a:r>
+            <a:endParaRPr kumimoji="1" lang="en-US" altLang="ja-JP" sz="3600" dirty="0"/>
+          </a:p>
+          <a:p>
+            <a:pPr marL="0" indent="0">
+              <a:buNone/>
+            </a:pPr>
+            <a:endParaRPr kumimoji="1" lang="en-US" altLang="ja-JP" sz="3600" dirty="0"/>
+          </a:p>
+          <a:p>
+            <a:pPr marL="0" indent="0">
+              <a:buNone/>
+            </a:pPr>
+            <a:r>
+              <a:rPr kumimoji="1" lang="en-US" altLang="ja-JP" sz="3600" dirty="0"/>
+              <a:t>3.</a:t>
+            </a:r>
+            <a:r>
+              <a:rPr kumimoji="1" lang="ja-JP" altLang="en-US" sz="3600"/>
+              <a:t>実演</a:t>
+            </a:r>
+            <a:endParaRPr kumimoji="1" lang="en-US" altLang="ja-JP" sz="3600" dirty="0"/>
+          </a:p>
+        </p:txBody>
+      </p:sp>
+    </p:spTree>
+    <p:extLst>
+      <p:ext uri="{BB962C8B-B14F-4D97-AF65-F5344CB8AC3E}">
+        <p14:creationId xmlns:p14="http://schemas.microsoft.com/office/powerpoint/2010/main" val="3093759343"/>
+      </p:ext>
+    </p:extLst>
+  </p:cSld>
+  <p:clrMapOvr>
+    <a:masterClrMapping/>
+  </p:clrMapOvr>
+</p:sld>
+</file>
+
+<file path=ppt/slides/slide3.xml><?xml version="1.0" encoding="utf-8"?>
+<p:sld xmlns:a="http://schemas.openxmlformats.org/drawingml/2006/main" xmlns:r="http://schemas.openxmlformats.org/officeDocument/2006/relationships" xmlns:p="http://schemas.openxmlformats.org/presentationml/2006/main">
+  <p:cSld>
+    <p:spTree>
+      <p:nvGrpSpPr>
+        <p:cNvPr id="1" name=""/>
+        <p:cNvGrpSpPr/>
+        <p:nvPr/>
+      </p:nvGrpSpPr>
+      <p:grpSpPr>
+        <a:xfrm>
+          <a:off x="0" y="0"/>
+          <a:ext cx="0" cy="0"/>
+          <a:chOff x="0" y="0"/>
+          <a:chExt cx="0" cy="0"/>
+        </a:xfrm>
+      </p:grpSpPr>
+      <p:sp>
+        <p:nvSpPr>
+          <p:cNvPr id="2" name="タイトル 1">
+            <a:extLst>
+              <a:ext uri="{FF2B5EF4-FFF2-40B4-BE49-F238E27FC236}">
                 <a16:creationId xmlns:a16="http://schemas.microsoft.com/office/drawing/2014/main" id="{C27940E7-26C1-9F4E-A6AA-E6CF3BE0DF60}"/>
               </a:ext>
             </a:extLst>
@@ -3433,6 +3570,14 @@
             <a:pPr marL="0" indent="0">
               <a:buNone/>
             </a:pPr>
+            <a:r>
+              <a:rPr lang="ja-JP" altLang="en-US" sz="3200"/>
+              <a:t>佐藤克海</a:t>
+            </a:r>
+            <a:r>
+              <a:rPr lang="en-US" altLang="ja-JP" sz="3200" dirty="0"/>
+              <a:t>/</a:t>
+            </a:r>
             <a:r>
               <a:rPr kumimoji="1" lang="ja-JP" altLang="en-US" sz="3200"/>
               <a:t>坂すたじお</a:t>
@@ -3614,7 +3759,7 @@
 </p:sld>
 </file>
 
-<file path=ppt/slides/slide3.xml><?xml version="1.0" encoding="utf-8"?>
+<file path=ppt/slides/slide4.xml><?xml version="1.0" encoding="utf-8"?>
 <p:sld xmlns:a="http://schemas.openxmlformats.org/drawingml/2006/main" xmlns:r="http://schemas.openxmlformats.org/officeDocument/2006/relationships" xmlns:p="http://schemas.openxmlformats.org/presentationml/2006/main">
   <p:cSld>
     <p:spTree>
@@ -3815,7 +3960,7 @@
 </p:sld>
 </file>
 
-<file path=ppt/slides/slide4.xml><?xml version="1.0" encoding="utf-8"?>
+<file path=ppt/slides/slide5.xml><?xml version="1.0" encoding="utf-8"?>
 <p:sld xmlns:a="http://schemas.openxmlformats.org/drawingml/2006/main" xmlns:r="http://schemas.openxmlformats.org/officeDocument/2006/relationships" xmlns:p="http://schemas.openxmlformats.org/presentationml/2006/main">
   <p:cSld>
     <p:spTree>
@@ -4119,7 +4264,7 @@
 </p:sld>
 </file>
 
-<file path=ppt/slides/slide5.xml><?xml version="1.0" encoding="utf-8"?>
+<file path=ppt/slides/slide6.xml><?xml version="1.0" encoding="utf-8"?>
 <p:sld xmlns:a="http://schemas.openxmlformats.org/drawingml/2006/main" xmlns:r="http://schemas.openxmlformats.org/officeDocument/2006/relationships" xmlns:p="http://schemas.openxmlformats.org/presentationml/2006/main">
   <p:cSld>
     <p:spTree>
@@ -4344,72 +4489,6 @@
 </p:sld>
 </file>
 
-<file path=ppt/slides/slide6.xml><?xml version="1.0" encoding="utf-8"?>
-<p:sld xmlns:a="http://schemas.openxmlformats.org/drawingml/2006/main" xmlns:r="http://schemas.openxmlformats.org/officeDocument/2006/relationships" xmlns:p="http://schemas.openxmlformats.org/presentationml/2006/main">
-  <p:cSld>
-    <p:spTree>
-      <p:nvGrpSpPr>
-        <p:cNvPr id="1" name=""/>
-        <p:cNvGrpSpPr/>
-        <p:nvPr/>
-      </p:nvGrpSpPr>
-      <p:grpSpPr>
-        <a:xfrm>
-          <a:off x="0" y="0"/>
-          <a:ext cx="0" cy="0"/>
-          <a:chOff x="0" y="0"/>
-          <a:chExt cx="0" cy="0"/>
-        </a:xfrm>
-      </p:grpSpPr>
-      <p:sp>
-        <p:nvSpPr>
-          <p:cNvPr id="2" name="タイトル 1">
-            <a:extLst>
-              <a:ext uri="{FF2B5EF4-FFF2-40B4-BE49-F238E27FC236}">
-                <a16:creationId xmlns:a16="http://schemas.microsoft.com/office/drawing/2014/main" id="{4B8BC82B-D954-D041-BE07-2C5E86E3C63C}"/>
-              </a:ext>
-            </a:extLst>
-          </p:cNvPr>
-          <p:cNvSpPr>
-            <a:spLocks noGrp="1"/>
-          </p:cNvSpPr>
-          <p:nvPr>
-            <p:ph type="ctrTitle"/>
-          </p:nvPr>
-        </p:nvSpPr>
-        <p:spPr>
-          <a:xfrm>
-            <a:off x="939800" y="1752600"/>
-            <a:ext cx="10325100" cy="2501899"/>
-          </a:xfrm>
-          <a:noFill/>
-        </p:spPr>
-        <p:txBody>
-          <a:bodyPr>
-            <a:normAutofit/>
-          </a:bodyPr>
-          <a:lstStyle/>
-          <a:p>
-            <a:r>
-              <a:rPr kumimoji="1" lang="ja-JP" altLang="en-US" sz="13800"/>
-              <a:t>実演</a:t>
-            </a:r>
-          </a:p>
-        </p:txBody>
-      </p:sp>
-    </p:spTree>
-    <p:extLst>
-      <p:ext uri="{BB962C8B-B14F-4D97-AF65-F5344CB8AC3E}">
-        <p14:creationId xmlns:p14="http://schemas.microsoft.com/office/powerpoint/2010/main" val="974587487"/>
-      </p:ext>
-    </p:extLst>
-  </p:cSld>
-  <p:clrMapOvr>
-    <a:masterClrMapping/>
-  </p:clrMapOvr>
-</p:sld>
-</file>
-
 <file path=ppt/slides/slide7.xml><?xml version="1.0" encoding="utf-8"?>
 <p:sld xmlns:a="http://schemas.openxmlformats.org/drawingml/2006/main" xmlns:r="http://schemas.openxmlformats.org/officeDocument/2006/relationships" xmlns:p="http://schemas.openxmlformats.org/presentationml/2006/main">
   <p:cSld>
@@ -4452,6 +4531,72 @@
         </p:spPr>
         <p:txBody>
           <a:bodyPr>
+            <a:normAutofit/>
+          </a:bodyPr>
+          <a:lstStyle/>
+          <a:p>
+            <a:r>
+              <a:rPr kumimoji="1" lang="ja-JP" altLang="en-US" sz="13800"/>
+              <a:t>実演</a:t>
+            </a:r>
+          </a:p>
+        </p:txBody>
+      </p:sp>
+    </p:spTree>
+    <p:extLst>
+      <p:ext uri="{BB962C8B-B14F-4D97-AF65-F5344CB8AC3E}">
+        <p14:creationId xmlns:p14="http://schemas.microsoft.com/office/powerpoint/2010/main" val="974587487"/>
+      </p:ext>
+    </p:extLst>
+  </p:cSld>
+  <p:clrMapOvr>
+    <a:masterClrMapping/>
+  </p:clrMapOvr>
+</p:sld>
+</file>
+
+<file path=ppt/slides/slide8.xml><?xml version="1.0" encoding="utf-8"?>
+<p:sld xmlns:a="http://schemas.openxmlformats.org/drawingml/2006/main" xmlns:r="http://schemas.openxmlformats.org/officeDocument/2006/relationships" xmlns:p="http://schemas.openxmlformats.org/presentationml/2006/main">
+  <p:cSld>
+    <p:spTree>
+      <p:nvGrpSpPr>
+        <p:cNvPr id="1" name=""/>
+        <p:cNvGrpSpPr/>
+        <p:nvPr/>
+      </p:nvGrpSpPr>
+      <p:grpSpPr>
+        <a:xfrm>
+          <a:off x="0" y="0"/>
+          <a:ext cx="0" cy="0"/>
+          <a:chOff x="0" y="0"/>
+          <a:chExt cx="0" cy="0"/>
+        </a:xfrm>
+      </p:grpSpPr>
+      <p:sp>
+        <p:nvSpPr>
+          <p:cNvPr id="2" name="タイトル 1">
+            <a:extLst>
+              <a:ext uri="{FF2B5EF4-FFF2-40B4-BE49-F238E27FC236}">
+                <a16:creationId xmlns:a16="http://schemas.microsoft.com/office/drawing/2014/main" id="{4B8BC82B-D954-D041-BE07-2C5E86E3C63C}"/>
+              </a:ext>
+            </a:extLst>
+          </p:cNvPr>
+          <p:cNvSpPr>
+            <a:spLocks noGrp="1"/>
+          </p:cNvSpPr>
+          <p:nvPr>
+            <p:ph type="ctrTitle"/>
+          </p:nvPr>
+        </p:nvSpPr>
+        <p:spPr>
+          <a:xfrm>
+            <a:off x="939800" y="1752600"/>
+            <a:ext cx="10325100" cy="2501899"/>
+          </a:xfrm>
+          <a:noFill/>
+        </p:spPr>
+        <p:txBody>
+          <a:bodyPr>
             <a:noAutofit/>
           </a:bodyPr>
           <a:lstStyle/>
@@ -4467,6 +4612,13 @@
             <a:r>
               <a:rPr lang="ja-JP" altLang="en-US" sz="4400"/>
               <a:t>上にあります</a:t>
+            </a:r>
+            <a:br>
+              <a:rPr lang="en-US" altLang="ja-JP" sz="4400" dirty="0"/>
+            </a:br>
+            <a:r>
+              <a:rPr lang="ja-JP" altLang="en-US" sz="4400"/>
+              <a:t>よきサーバー開発ライフを！</a:t>
             </a:r>
             <a:br>
               <a:rPr lang="en-US" altLang="ja-JP" sz="4400" dirty="0"/>
